--- a/Data Structure/자료구조_순환.pptx
+++ b/Data Structure/자료구조_순환.pptx
@@ -5,7 +5,7 @@
     <p:sldMasterId id="2147483648" r:id="rId1"/>
   </p:sldMasterIdLst>
   <p:notesMasterIdLst>
-    <p:notesMasterId r:id="rId19"/>
+    <p:notesMasterId r:id="rId22"/>
   </p:notesMasterIdLst>
   <p:sldIdLst>
     <p:sldId id="257" r:id="rId2"/>
@@ -24,7 +24,10 @@
     <p:sldId id="297" r:id="rId15"/>
     <p:sldId id="298" r:id="rId16"/>
     <p:sldId id="302" r:id="rId17"/>
-    <p:sldId id="303" r:id="rId18"/>
+    <p:sldId id="304" r:id="rId18"/>
+    <p:sldId id="305" r:id="rId19"/>
+    <p:sldId id="306" r:id="rId20"/>
+    <p:sldId id="303" r:id="rId21"/>
   </p:sldIdLst>
   <p:sldSz cx="12192000" cy="6858000"/>
   <p:notesSz cx="6858000" cy="9144000"/>
@@ -214,6 +217,48 @@
 </file>
 
 <file path=ppt/comments/comment6.xml><?xml version="1.0" encoding="utf-8"?>
+<p:cmLst xmlns:a="http://schemas.openxmlformats.org/drawingml/2006/main" xmlns:r="http://schemas.openxmlformats.org/officeDocument/2006/relationships" xmlns:p="http://schemas.openxmlformats.org/presentationml/2006/main">
+  <p:cm authorId="1" dt="2019-12-31T16:54:23.599" idx="1">
+    <p:pos x="10" y="10"/>
+    <p:text/>
+    <p:extLst>
+      <p:ext uri="{C676402C-5697-4E1C-873F-D02D1690AC5C}">
+        <p15:threadingInfo xmlns:p15="http://schemas.microsoft.com/office/powerpoint/2012/main" timeZoneBias="-540"/>
+      </p:ext>
+    </p:extLst>
+  </p:cm>
+</p:cmLst>
+</file>
+
+<file path=ppt/comments/comment7.xml><?xml version="1.0" encoding="utf-8"?>
+<p:cmLst xmlns:a="http://schemas.openxmlformats.org/drawingml/2006/main" xmlns:r="http://schemas.openxmlformats.org/officeDocument/2006/relationships" xmlns:p="http://schemas.openxmlformats.org/presentationml/2006/main">
+  <p:cm authorId="1" dt="2019-12-31T16:54:23.599" idx="1">
+    <p:pos x="10" y="10"/>
+    <p:text/>
+    <p:extLst>
+      <p:ext uri="{C676402C-5697-4E1C-873F-D02D1690AC5C}">
+        <p15:threadingInfo xmlns:p15="http://schemas.microsoft.com/office/powerpoint/2012/main" timeZoneBias="-540"/>
+      </p:ext>
+    </p:extLst>
+  </p:cm>
+</p:cmLst>
+</file>
+
+<file path=ppt/comments/comment8.xml><?xml version="1.0" encoding="utf-8"?>
+<p:cmLst xmlns:a="http://schemas.openxmlformats.org/drawingml/2006/main" xmlns:r="http://schemas.openxmlformats.org/officeDocument/2006/relationships" xmlns:p="http://schemas.openxmlformats.org/presentationml/2006/main">
+  <p:cm authorId="1" dt="2019-12-31T16:54:23.599" idx="1">
+    <p:pos x="10" y="10"/>
+    <p:text/>
+    <p:extLst>
+      <p:ext uri="{C676402C-5697-4E1C-873F-D02D1690AC5C}">
+        <p15:threadingInfo xmlns:p15="http://schemas.microsoft.com/office/powerpoint/2012/main" timeZoneBias="-540"/>
+      </p:ext>
+    </p:extLst>
+  </p:cm>
+</p:cmLst>
+</file>
+
+<file path=ppt/comments/comment9.xml><?xml version="1.0" encoding="utf-8"?>
 <p:cmLst xmlns:a="http://schemas.openxmlformats.org/drawingml/2006/main" xmlns:r="http://schemas.openxmlformats.org/officeDocument/2006/relationships" xmlns:p="http://schemas.openxmlformats.org/presentationml/2006/main">
   <p:cm authorId="1" dt="2019-12-31T16:54:23.599" idx="1">
     <p:pos x="10" y="10"/>
@@ -4957,6 +5002,463 @@
           </a:p>
         </p:txBody>
       </p:sp>
+      <p:sp>
+        <p:nvSpPr>
+          <p:cNvPr id="26" name="자유형: 도형 25">
+            <a:extLst>
+              <a:ext uri="{FF2B5EF4-FFF2-40B4-BE49-F238E27FC236}">
+                <a16:creationId xmlns:a16="http://schemas.microsoft.com/office/drawing/2014/main" id="{D9DD1956-1B25-4A62-91F6-CD7C7C8922BA}"/>
+              </a:ext>
+            </a:extLst>
+          </p:cNvPr>
+          <p:cNvSpPr/>
+          <p:nvPr/>
+        </p:nvSpPr>
+        <p:spPr>
+          <a:xfrm rot="21430329">
+            <a:off x="8856226" y="2994233"/>
+            <a:ext cx="1227065" cy="1977814"/>
+          </a:xfrm>
+          <a:custGeom>
+            <a:avLst/>
+            <a:gdLst>
+              <a:gd name="connsiteX0" fmla="*/ 425769 w 1227065"/>
+              <a:gd name="connsiteY0" fmla="*/ 1076270 h 1977814"/>
+              <a:gd name="connsiteX1" fmla="*/ 740360 w 1227065"/>
+              <a:gd name="connsiteY1" fmla="*/ 1199190 h 1977814"/>
+              <a:gd name="connsiteX2" fmla="*/ 1040759 w 1227065"/>
+              <a:gd name="connsiteY2" fmla="*/ 1214028 h 1977814"/>
+              <a:gd name="connsiteX3" fmla="*/ 1012932 w 1227065"/>
+              <a:gd name="connsiteY3" fmla="*/ 1777382 h 1977814"/>
+              <a:gd name="connsiteX4" fmla="*/ 755964 w 1227065"/>
+              <a:gd name="connsiteY4" fmla="*/ 1764689 h 1977814"/>
+              <a:gd name="connsiteX5" fmla="*/ 672690 w 1227065"/>
+              <a:gd name="connsiteY5" fmla="*/ 1977814 h 1977814"/>
+              <a:gd name="connsiteX6" fmla="*/ 152869 w 1227065"/>
+              <a:gd name="connsiteY6" fmla="*/ 1774705 h 1977814"/>
+              <a:gd name="connsiteX7" fmla="*/ 168128 w 1227065"/>
+              <a:gd name="connsiteY7" fmla="*/ 1735653 h 1977814"/>
+              <a:gd name="connsiteX8" fmla="*/ 0 w 1227065"/>
+              <a:gd name="connsiteY8" fmla="*/ 1727348 h 1977814"/>
+              <a:gd name="connsiteX9" fmla="*/ 27827 w 1227065"/>
+              <a:gd name="connsiteY9" fmla="*/ 1163994 h 1977814"/>
+              <a:gd name="connsiteX10" fmla="*/ 384606 w 1227065"/>
+              <a:gd name="connsiteY10" fmla="*/ 1181617 h 1977814"/>
+              <a:gd name="connsiteX11" fmla="*/ 741417 w 1227065"/>
+              <a:gd name="connsiteY11" fmla="*/ 495045 h 1977814"/>
+              <a:gd name="connsiteX12" fmla="*/ 752197 w 1227065"/>
+              <a:gd name="connsiteY12" fmla="*/ 620058 h 1977814"/>
+              <a:gd name="connsiteX13" fmla="*/ 759458 w 1227065"/>
+              <a:gd name="connsiteY13" fmla="*/ 640509 h 1977814"/>
+              <a:gd name="connsiteX14" fmla="*/ 1080439 w 1227065"/>
+              <a:gd name="connsiteY14" fmla="*/ 640509 h 1977814"/>
+              <a:gd name="connsiteX15" fmla="*/ 1080439 w 1227065"/>
+              <a:gd name="connsiteY15" fmla="*/ 703524 h 1977814"/>
+              <a:gd name="connsiteX16" fmla="*/ 1185096 w 1227065"/>
+              <a:gd name="connsiteY16" fmla="*/ 703524 h 1977814"/>
+              <a:gd name="connsiteX17" fmla="*/ 1185096 w 1227065"/>
+              <a:gd name="connsiteY17" fmla="*/ 919469 h 1977814"/>
+              <a:gd name="connsiteX18" fmla="*/ 1146058 w 1227065"/>
+              <a:gd name="connsiteY18" fmla="*/ 919469 h 1977814"/>
+              <a:gd name="connsiteX19" fmla="*/ 1146057 w 1227065"/>
+              <a:gd name="connsiteY19" fmla="*/ 982088 h 1977814"/>
+              <a:gd name="connsiteX20" fmla="*/ 717924 w 1227065"/>
+              <a:gd name="connsiteY20" fmla="*/ 982088 h 1977814"/>
+              <a:gd name="connsiteX21" fmla="*/ 717924 w 1227065"/>
+              <a:gd name="connsiteY21" fmla="*/ 907194 h 1977814"/>
+              <a:gd name="connsiteX22" fmla="*/ 652306 w 1227065"/>
+              <a:gd name="connsiteY22" fmla="*/ 907194 h 1977814"/>
+              <a:gd name="connsiteX23" fmla="*/ 652306 w 1227065"/>
+              <a:gd name="connsiteY23" fmla="*/ 828388 h 1977814"/>
+              <a:gd name="connsiteX24" fmla="*/ 403247 w 1227065"/>
+              <a:gd name="connsiteY24" fmla="*/ 916821 h 1977814"/>
+              <a:gd name="connsiteX25" fmla="*/ 365418 w 1227065"/>
+              <a:gd name="connsiteY25" fmla="*/ 810282 h 1977814"/>
+              <a:gd name="connsiteX26" fmla="*/ 339074 w 1227065"/>
+              <a:gd name="connsiteY26" fmla="*/ 812553 h 1977814"/>
+              <a:gd name="connsiteX27" fmla="*/ 330366 w 1227065"/>
+              <a:gd name="connsiteY27" fmla="*/ 711560 h 1977814"/>
+              <a:gd name="connsiteX28" fmla="*/ 308966 w 1227065"/>
+              <a:gd name="connsiteY28" fmla="*/ 651292 h 1977814"/>
+              <a:gd name="connsiteX29" fmla="*/ 324687 w 1227065"/>
+              <a:gd name="connsiteY29" fmla="*/ 645710 h 1977814"/>
+              <a:gd name="connsiteX30" fmla="*/ 314867 w 1227065"/>
+              <a:gd name="connsiteY30" fmla="*/ 531825 h 1977814"/>
+              <a:gd name="connsiteX31" fmla="*/ 1225248 w 1227065"/>
+              <a:gd name="connsiteY31" fmla="*/ 7422 h 1977814"/>
+              <a:gd name="connsiteX32" fmla="*/ 1225249 w 1227065"/>
+              <a:gd name="connsiteY32" fmla="*/ 101485 h 1977814"/>
+              <a:gd name="connsiteX33" fmla="*/ 1227065 w 1227065"/>
+              <a:gd name="connsiteY33" fmla="*/ 101485 h 1977814"/>
+              <a:gd name="connsiteX34" fmla="*/ 1227065 w 1227065"/>
+              <a:gd name="connsiteY34" fmla="*/ 368170 h 1977814"/>
+              <a:gd name="connsiteX35" fmla="*/ 959777 w 1227065"/>
+              <a:gd name="connsiteY35" fmla="*/ 368170 h 1977814"/>
+              <a:gd name="connsiteX36" fmla="*/ 933758 w 1227065"/>
+              <a:gd name="connsiteY36" fmla="*/ 410974 h 1977814"/>
+              <a:gd name="connsiteX37" fmla="*/ 863343 w 1227065"/>
+              <a:gd name="connsiteY37" fmla="*/ 368170 h 1977814"/>
+              <a:gd name="connsiteX38" fmla="*/ 798931 w 1227065"/>
+              <a:gd name="connsiteY38" fmla="*/ 368170 h 1977814"/>
+              <a:gd name="connsiteX39" fmla="*/ 798931 w 1227065"/>
+              <a:gd name="connsiteY39" fmla="*/ 329016 h 1977814"/>
+              <a:gd name="connsiteX40" fmla="*/ 761946 w 1227065"/>
+              <a:gd name="connsiteY40" fmla="*/ 306534 h 1977814"/>
+              <a:gd name="connsiteX41" fmla="*/ 783235 w 1227065"/>
+              <a:gd name="connsiteY41" fmla="*/ 271512 h 1977814"/>
+              <a:gd name="connsiteX42" fmla="*/ 744566 w 1227065"/>
+              <a:gd name="connsiteY42" fmla="*/ 271512 h 1977814"/>
+              <a:gd name="connsiteX43" fmla="*/ 744566 w 1227065"/>
+              <a:gd name="connsiteY43" fmla="*/ 4827 h 1977814"/>
+              <a:gd name="connsiteX44" fmla="*/ 945344 w 1227065"/>
+              <a:gd name="connsiteY44" fmla="*/ 4827 h 1977814"/>
+              <a:gd name="connsiteX45" fmla="*/ 948279 w 1227065"/>
+              <a:gd name="connsiteY45" fmla="*/ 0 h 1977814"/>
+              <a:gd name="connsiteX46" fmla="*/ 956221 w 1227065"/>
+              <a:gd name="connsiteY46" fmla="*/ 4827 h 1977814"/>
+              <a:gd name="connsiteX47" fmla="*/ 1172699 w 1227065"/>
+              <a:gd name="connsiteY47" fmla="*/ 4827 h 1977814"/>
+              <a:gd name="connsiteX48" fmla="*/ 1172699 w 1227065"/>
+              <a:gd name="connsiteY48" fmla="*/ 7422 h 1977814"/>
+            </a:gdLst>
+            <a:ahLst/>
+            <a:cxnLst>
+              <a:cxn ang="0">
+                <a:pos x="connsiteX0" y="connsiteY0"/>
+              </a:cxn>
+              <a:cxn ang="0">
+                <a:pos x="connsiteX1" y="connsiteY1"/>
+              </a:cxn>
+              <a:cxn ang="0">
+                <a:pos x="connsiteX2" y="connsiteY2"/>
+              </a:cxn>
+              <a:cxn ang="0">
+                <a:pos x="connsiteX3" y="connsiteY3"/>
+              </a:cxn>
+              <a:cxn ang="0">
+                <a:pos x="connsiteX4" y="connsiteY4"/>
+              </a:cxn>
+              <a:cxn ang="0">
+                <a:pos x="connsiteX5" y="connsiteY5"/>
+              </a:cxn>
+              <a:cxn ang="0">
+                <a:pos x="connsiteX6" y="connsiteY6"/>
+              </a:cxn>
+              <a:cxn ang="0">
+                <a:pos x="connsiteX7" y="connsiteY7"/>
+              </a:cxn>
+              <a:cxn ang="0">
+                <a:pos x="connsiteX8" y="connsiteY8"/>
+              </a:cxn>
+              <a:cxn ang="0">
+                <a:pos x="connsiteX9" y="connsiteY9"/>
+              </a:cxn>
+              <a:cxn ang="0">
+                <a:pos x="connsiteX10" y="connsiteY10"/>
+              </a:cxn>
+              <a:cxn ang="0">
+                <a:pos x="connsiteX11" y="connsiteY11"/>
+              </a:cxn>
+              <a:cxn ang="0">
+                <a:pos x="connsiteX12" y="connsiteY12"/>
+              </a:cxn>
+              <a:cxn ang="0">
+                <a:pos x="connsiteX13" y="connsiteY13"/>
+              </a:cxn>
+              <a:cxn ang="0">
+                <a:pos x="connsiteX14" y="connsiteY14"/>
+              </a:cxn>
+              <a:cxn ang="0">
+                <a:pos x="connsiteX15" y="connsiteY15"/>
+              </a:cxn>
+              <a:cxn ang="0">
+                <a:pos x="connsiteX16" y="connsiteY16"/>
+              </a:cxn>
+              <a:cxn ang="0">
+                <a:pos x="connsiteX17" y="connsiteY17"/>
+              </a:cxn>
+              <a:cxn ang="0">
+                <a:pos x="connsiteX18" y="connsiteY18"/>
+              </a:cxn>
+              <a:cxn ang="0">
+                <a:pos x="connsiteX19" y="connsiteY19"/>
+              </a:cxn>
+              <a:cxn ang="0">
+                <a:pos x="connsiteX20" y="connsiteY20"/>
+              </a:cxn>
+              <a:cxn ang="0">
+                <a:pos x="connsiteX21" y="connsiteY21"/>
+              </a:cxn>
+              <a:cxn ang="0">
+                <a:pos x="connsiteX22" y="connsiteY22"/>
+              </a:cxn>
+              <a:cxn ang="0">
+                <a:pos x="connsiteX23" y="connsiteY23"/>
+              </a:cxn>
+              <a:cxn ang="0">
+                <a:pos x="connsiteX24" y="connsiteY24"/>
+              </a:cxn>
+              <a:cxn ang="0">
+                <a:pos x="connsiteX25" y="connsiteY25"/>
+              </a:cxn>
+              <a:cxn ang="0">
+                <a:pos x="connsiteX26" y="connsiteY26"/>
+              </a:cxn>
+              <a:cxn ang="0">
+                <a:pos x="connsiteX27" y="connsiteY27"/>
+              </a:cxn>
+              <a:cxn ang="0">
+                <a:pos x="connsiteX28" y="connsiteY28"/>
+              </a:cxn>
+              <a:cxn ang="0">
+                <a:pos x="connsiteX29" y="connsiteY29"/>
+              </a:cxn>
+              <a:cxn ang="0">
+                <a:pos x="connsiteX30" y="connsiteY30"/>
+              </a:cxn>
+              <a:cxn ang="0">
+                <a:pos x="connsiteX31" y="connsiteY31"/>
+              </a:cxn>
+              <a:cxn ang="0">
+                <a:pos x="connsiteX32" y="connsiteY32"/>
+              </a:cxn>
+              <a:cxn ang="0">
+                <a:pos x="connsiteX33" y="connsiteY33"/>
+              </a:cxn>
+              <a:cxn ang="0">
+                <a:pos x="connsiteX34" y="connsiteY34"/>
+              </a:cxn>
+              <a:cxn ang="0">
+                <a:pos x="connsiteX35" y="connsiteY35"/>
+              </a:cxn>
+              <a:cxn ang="0">
+                <a:pos x="connsiteX36" y="connsiteY36"/>
+              </a:cxn>
+              <a:cxn ang="0">
+                <a:pos x="connsiteX37" y="connsiteY37"/>
+              </a:cxn>
+              <a:cxn ang="0">
+                <a:pos x="connsiteX38" y="connsiteY38"/>
+              </a:cxn>
+              <a:cxn ang="0">
+                <a:pos x="connsiteX39" y="connsiteY39"/>
+              </a:cxn>
+              <a:cxn ang="0">
+                <a:pos x="connsiteX40" y="connsiteY40"/>
+              </a:cxn>
+              <a:cxn ang="0">
+                <a:pos x="connsiteX41" y="connsiteY41"/>
+              </a:cxn>
+              <a:cxn ang="0">
+                <a:pos x="connsiteX42" y="connsiteY42"/>
+              </a:cxn>
+              <a:cxn ang="0">
+                <a:pos x="connsiteX43" y="connsiteY43"/>
+              </a:cxn>
+              <a:cxn ang="0">
+                <a:pos x="connsiteX44" y="connsiteY44"/>
+              </a:cxn>
+              <a:cxn ang="0">
+                <a:pos x="connsiteX45" y="connsiteY45"/>
+              </a:cxn>
+              <a:cxn ang="0">
+                <a:pos x="connsiteX46" y="connsiteY46"/>
+              </a:cxn>
+              <a:cxn ang="0">
+                <a:pos x="connsiteX47" y="connsiteY47"/>
+              </a:cxn>
+              <a:cxn ang="0">
+                <a:pos x="connsiteX48" y="connsiteY48"/>
+              </a:cxn>
+            </a:cxnLst>
+            <a:rect l="l" t="t" r="r" b="b"/>
+            <a:pathLst>
+              <a:path w="1227065" h="1977814">
+                <a:moveTo>
+                  <a:pt x="425769" y="1076270"/>
+                </a:moveTo>
+                <a:lnTo>
+                  <a:pt x="740360" y="1199190"/>
+                </a:lnTo>
+                <a:lnTo>
+                  <a:pt x="1040759" y="1214028"/>
+                </a:lnTo>
+                <a:lnTo>
+                  <a:pt x="1012932" y="1777382"/>
+                </a:lnTo>
+                <a:lnTo>
+                  <a:pt x="755964" y="1764689"/>
+                </a:lnTo>
+                <a:lnTo>
+                  <a:pt x="672690" y="1977814"/>
+                </a:lnTo>
+                <a:lnTo>
+                  <a:pt x="152869" y="1774705"/>
+                </a:lnTo>
+                <a:lnTo>
+                  <a:pt x="168128" y="1735653"/>
+                </a:lnTo>
+                <a:lnTo>
+                  <a:pt x="0" y="1727348"/>
+                </a:lnTo>
+                <a:lnTo>
+                  <a:pt x="27827" y="1163994"/>
+                </a:lnTo>
+                <a:lnTo>
+                  <a:pt x="384606" y="1181617"/>
+                </a:lnTo>
+                <a:close/>
+                <a:moveTo>
+                  <a:pt x="741417" y="495045"/>
+                </a:moveTo>
+                <a:lnTo>
+                  <a:pt x="752197" y="620058"/>
+                </a:lnTo>
+                <a:lnTo>
+                  <a:pt x="759458" y="640509"/>
+                </a:lnTo>
+                <a:lnTo>
+                  <a:pt x="1080439" y="640509"/>
+                </a:lnTo>
+                <a:lnTo>
+                  <a:pt x="1080439" y="703524"/>
+                </a:lnTo>
+                <a:lnTo>
+                  <a:pt x="1185096" y="703524"/>
+                </a:lnTo>
+                <a:lnTo>
+                  <a:pt x="1185096" y="919469"/>
+                </a:lnTo>
+                <a:lnTo>
+                  <a:pt x="1146058" y="919469"/>
+                </a:lnTo>
+                <a:lnTo>
+                  <a:pt x="1146057" y="982088"/>
+                </a:lnTo>
+                <a:lnTo>
+                  <a:pt x="717924" y="982088"/>
+                </a:lnTo>
+                <a:lnTo>
+                  <a:pt x="717924" y="907194"/>
+                </a:lnTo>
+                <a:lnTo>
+                  <a:pt x="652306" y="907194"/>
+                </a:lnTo>
+                <a:lnTo>
+                  <a:pt x="652306" y="828388"/>
+                </a:lnTo>
+                <a:lnTo>
+                  <a:pt x="403247" y="916821"/>
+                </a:lnTo>
+                <a:lnTo>
+                  <a:pt x="365418" y="810282"/>
+                </a:lnTo>
+                <a:lnTo>
+                  <a:pt x="339074" y="812553"/>
+                </a:lnTo>
+                <a:lnTo>
+                  <a:pt x="330366" y="711560"/>
+                </a:lnTo>
+                <a:lnTo>
+                  <a:pt x="308966" y="651292"/>
+                </a:lnTo>
+                <a:lnTo>
+                  <a:pt x="324687" y="645710"/>
+                </a:lnTo>
+                <a:lnTo>
+                  <a:pt x="314867" y="531825"/>
+                </a:lnTo>
+                <a:close/>
+                <a:moveTo>
+                  <a:pt x="1225248" y="7422"/>
+                </a:moveTo>
+                <a:lnTo>
+                  <a:pt x="1225249" y="101485"/>
+                </a:lnTo>
+                <a:lnTo>
+                  <a:pt x="1227065" y="101485"/>
+                </a:lnTo>
+                <a:lnTo>
+                  <a:pt x="1227065" y="368170"/>
+                </a:lnTo>
+                <a:lnTo>
+                  <a:pt x="959777" y="368170"/>
+                </a:lnTo>
+                <a:lnTo>
+                  <a:pt x="933758" y="410974"/>
+                </a:lnTo>
+                <a:lnTo>
+                  <a:pt x="863343" y="368170"/>
+                </a:lnTo>
+                <a:lnTo>
+                  <a:pt x="798931" y="368170"/>
+                </a:lnTo>
+                <a:lnTo>
+                  <a:pt x="798931" y="329016"/>
+                </a:lnTo>
+                <a:lnTo>
+                  <a:pt x="761946" y="306534"/>
+                </a:lnTo>
+                <a:lnTo>
+                  <a:pt x="783235" y="271512"/>
+                </a:lnTo>
+                <a:lnTo>
+                  <a:pt x="744566" y="271512"/>
+                </a:lnTo>
+                <a:lnTo>
+                  <a:pt x="744566" y="4827"/>
+                </a:lnTo>
+                <a:lnTo>
+                  <a:pt x="945344" y="4827"/>
+                </a:lnTo>
+                <a:lnTo>
+                  <a:pt x="948279" y="0"/>
+                </a:lnTo>
+                <a:lnTo>
+                  <a:pt x="956221" y="4827"/>
+                </a:lnTo>
+                <a:lnTo>
+                  <a:pt x="1172699" y="4827"/>
+                </a:lnTo>
+                <a:lnTo>
+                  <a:pt x="1172699" y="7422"/>
+                </a:lnTo>
+                <a:close/>
+              </a:path>
+            </a:pathLst>
+          </a:custGeom>
+          <a:solidFill>
+            <a:srgbClr val="F0F0F0"/>
+          </a:solidFill>
+          <a:ln>
+            <a:noFill/>
+          </a:ln>
+        </p:spPr>
+        <p:style>
+          <a:lnRef idx="2">
+            <a:schemeClr val="accent1">
+              <a:shade val="50000"/>
+            </a:schemeClr>
+          </a:lnRef>
+          <a:fillRef idx="1">
+            <a:schemeClr val="accent1"/>
+          </a:fillRef>
+          <a:effectRef idx="0">
+            <a:schemeClr val="accent1"/>
+          </a:effectRef>
+          <a:fontRef idx="minor">
+            <a:schemeClr val="lt1"/>
+          </a:fontRef>
+        </p:style>
+        <p:txBody>
+          <a:bodyPr rtlCol="0" anchor="ctr"/>
+          <a:lstStyle/>
+          <a:p>
+            <a:pPr algn="ctr"/>
+            <a:endParaRPr lang="ko-KR" altLang="en-US"/>
+          </a:p>
+        </p:txBody>
+      </p:sp>
     </p:spTree>
     <p:extLst>
       <p:ext uri="{BB962C8B-B14F-4D97-AF65-F5344CB8AC3E}">
@@ -7266,7 +7768,7 @@
         </p:blipFill>
         <p:spPr bwMode="auto">
           <a:xfrm>
-            <a:off x="5486400" y="1807973"/>
+            <a:off x="5486400" y="1858735"/>
             <a:ext cx="5466053" cy="3594074"/>
           </a:xfrm>
           <a:prstGeom prst="rect">
@@ -7778,14 +8280,7 @@
                 <a:latin typeface="배달의민족 도현" panose="020B0600000101010101" pitchFamily="50" charset="-127"/>
                 <a:ea typeface="배달의민족 도현" panose="020B0600000101010101" pitchFamily="50" charset="-127"/>
               </a:rPr>
-              <a:t>스택 </a:t>
-            </a:r>
-            <a:r>
-              <a:rPr lang="ko-KR" altLang="en-US" sz="2400" dirty="0" err="1">
-                <a:latin typeface="배달의민족 도현" panose="020B0600000101010101" pitchFamily="50" charset="-127"/>
-                <a:ea typeface="배달의민족 도현" panose="020B0600000101010101" pitchFamily="50" charset="-127"/>
-              </a:rPr>
-              <a:t>오버플로우</a:t>
+              <a:t>스택</a:t>
             </a:r>
             <a:endParaRPr lang="en-US" altLang="ko-KR" sz="2400" dirty="0">
               <a:latin typeface="배달의민족 도현" panose="020B0600000101010101" pitchFamily="50" charset="-127"/>
@@ -7818,7 +8313,7 @@
           <p:cNvPr id="3" name="그림 2">
             <a:extLst>
               <a:ext uri="{FF2B5EF4-FFF2-40B4-BE49-F238E27FC236}">
-                <a16:creationId xmlns:a16="http://schemas.microsoft.com/office/drawing/2014/main" id="{62226D2A-48D3-45A3-81D8-11DB613E63FF}"/>
+                <a16:creationId xmlns:a16="http://schemas.microsoft.com/office/drawing/2014/main" id="{D2AD0417-B6D8-4561-B1C5-B2B2A78734B8}"/>
               </a:ext>
             </a:extLst>
           </p:cNvPr>
@@ -7835,18 +8330,1094 @@
         </p:blipFill>
         <p:spPr>
           <a:xfrm>
-            <a:off x="1474747" y="1656677"/>
-            <a:ext cx="7802817" cy="4333860"/>
+            <a:off x="1566922" y="1853523"/>
+            <a:ext cx="2344525" cy="3799747"/>
           </a:xfrm>
           <a:prstGeom prst="rect">
             <a:avLst/>
           </a:prstGeom>
+        </p:spPr>
+      </p:pic>
+      <p:sp>
+        <p:nvSpPr>
+          <p:cNvPr id="5" name="사각형: 둥근 모서리 4">
+            <a:extLst>
+              <a:ext uri="{FF2B5EF4-FFF2-40B4-BE49-F238E27FC236}">
+                <a16:creationId xmlns:a16="http://schemas.microsoft.com/office/drawing/2014/main" id="{9F044585-A7E3-4FBE-A4AE-D508C6CD34CE}"/>
+              </a:ext>
+            </a:extLst>
+          </p:cNvPr>
+          <p:cNvSpPr/>
+          <p:nvPr/>
+        </p:nvSpPr>
+        <p:spPr>
+          <a:xfrm>
+            <a:off x="6645897" y="1263192"/>
+            <a:ext cx="2187018" cy="1253764"/>
+          </a:xfrm>
+          <a:prstGeom prst="roundRect">
+            <a:avLst/>
+          </a:prstGeom>
+          <a:solidFill>
+            <a:schemeClr val="bg1"/>
+          </a:solidFill>
+        </p:spPr>
+        <p:style>
+          <a:lnRef idx="2">
+            <a:schemeClr val="accent1">
+              <a:shade val="50000"/>
+            </a:schemeClr>
+          </a:lnRef>
+          <a:fillRef idx="1">
+            <a:schemeClr val="accent1"/>
+          </a:fillRef>
+          <a:effectRef idx="0">
+            <a:schemeClr val="accent1"/>
+          </a:effectRef>
+          <a:fontRef idx="minor">
+            <a:schemeClr val="lt1"/>
+          </a:fontRef>
+        </p:style>
+        <p:txBody>
+          <a:bodyPr rtlCol="0" anchor="ctr"/>
+          <a:lstStyle/>
+          <a:p>
+            <a:pPr algn="ctr"/>
+            <a:endParaRPr lang="ko-KR" altLang="en-US"/>
+          </a:p>
+        </p:txBody>
+      </p:sp>
+      <p:sp>
+        <p:nvSpPr>
+          <p:cNvPr id="17" name="사각형: 둥근 모서리 16">
+            <a:extLst>
+              <a:ext uri="{FF2B5EF4-FFF2-40B4-BE49-F238E27FC236}">
+                <a16:creationId xmlns:a16="http://schemas.microsoft.com/office/drawing/2014/main" id="{C4304ABD-CC1B-46A8-9697-C4D707AF6E12}"/>
+              </a:ext>
+            </a:extLst>
+          </p:cNvPr>
+          <p:cNvSpPr/>
+          <p:nvPr/>
+        </p:nvSpPr>
+        <p:spPr>
+          <a:xfrm>
+            <a:off x="4824415" y="3598488"/>
+            <a:ext cx="2187018" cy="1253764"/>
+          </a:xfrm>
+          <a:prstGeom prst="roundRect">
+            <a:avLst/>
+          </a:prstGeom>
+          <a:solidFill>
+            <a:schemeClr val="bg1"/>
+          </a:solidFill>
+        </p:spPr>
+        <p:style>
+          <a:lnRef idx="2">
+            <a:schemeClr val="accent1">
+              <a:shade val="50000"/>
+            </a:schemeClr>
+          </a:lnRef>
+          <a:fillRef idx="1">
+            <a:schemeClr val="accent1"/>
+          </a:fillRef>
+          <a:effectRef idx="0">
+            <a:schemeClr val="accent1"/>
+          </a:effectRef>
+          <a:fontRef idx="minor">
+            <a:schemeClr val="lt1"/>
+          </a:fontRef>
+        </p:style>
+        <p:txBody>
+          <a:bodyPr rtlCol="0" anchor="ctr"/>
+          <a:lstStyle/>
+          <a:p>
+            <a:pPr algn="ctr"/>
+            <a:endParaRPr lang="ko-KR" altLang="en-US"/>
+          </a:p>
+        </p:txBody>
+      </p:sp>
+      <p:sp>
+        <p:nvSpPr>
+          <p:cNvPr id="18" name="사각형: 둥근 모서리 17">
+            <a:extLst>
+              <a:ext uri="{FF2B5EF4-FFF2-40B4-BE49-F238E27FC236}">
+                <a16:creationId xmlns:a16="http://schemas.microsoft.com/office/drawing/2014/main" id="{C82F36A1-5636-4E46-9C9A-6DFD5E41CE9B}"/>
+              </a:ext>
+            </a:extLst>
+          </p:cNvPr>
+          <p:cNvSpPr/>
+          <p:nvPr/>
+        </p:nvSpPr>
+        <p:spPr>
+          <a:xfrm>
+            <a:off x="8658411" y="3598488"/>
+            <a:ext cx="2187018" cy="1253764"/>
+          </a:xfrm>
+          <a:prstGeom prst="roundRect">
+            <a:avLst/>
+          </a:prstGeom>
+          <a:solidFill>
+            <a:schemeClr val="bg1"/>
+          </a:solidFill>
+        </p:spPr>
+        <p:style>
+          <a:lnRef idx="2">
+            <a:schemeClr val="accent1">
+              <a:shade val="50000"/>
+            </a:schemeClr>
+          </a:lnRef>
+          <a:fillRef idx="1">
+            <a:schemeClr val="accent1"/>
+          </a:fillRef>
+          <a:effectRef idx="0">
+            <a:schemeClr val="accent1"/>
+          </a:effectRef>
+          <a:fontRef idx="minor">
+            <a:schemeClr val="lt1"/>
+          </a:fontRef>
+        </p:style>
+        <p:txBody>
+          <a:bodyPr rtlCol="0" anchor="ctr"/>
+          <a:lstStyle/>
+          <a:p>
+            <a:pPr algn="ctr"/>
+            <a:endParaRPr lang="ko-KR" altLang="en-US"/>
+          </a:p>
+        </p:txBody>
+      </p:sp>
+      <p:sp>
+        <p:nvSpPr>
+          <p:cNvPr id="6" name="TextBox 5">
+            <a:extLst>
+              <a:ext uri="{FF2B5EF4-FFF2-40B4-BE49-F238E27FC236}">
+                <a16:creationId xmlns:a16="http://schemas.microsoft.com/office/drawing/2014/main" id="{399000D1-3E37-45EA-8FFE-9440DB684737}"/>
+              </a:ext>
+            </a:extLst>
+          </p:cNvPr>
+          <p:cNvSpPr txBox="1"/>
+          <p:nvPr/>
+        </p:nvSpPr>
+        <p:spPr>
+          <a:xfrm>
+            <a:off x="7236999" y="1628464"/>
+            <a:ext cx="1646978" cy="523220"/>
+          </a:xfrm>
+          <a:prstGeom prst="rect">
+            <a:avLst/>
+          </a:prstGeom>
+          <a:noFill/>
+        </p:spPr>
+        <p:txBody>
+          <a:bodyPr wrap="square" rtlCol="0">
+            <a:spAutoFit/>
+          </a:bodyPr>
+          <a:lstStyle/>
+          <a:p>
+            <a:r>
+              <a:rPr lang="en-US" altLang="ko-KR" sz="2800" dirty="0"/>
+              <a:t>Main</a:t>
+            </a:r>
+            <a:endParaRPr lang="ko-KR" altLang="en-US" sz="2800" dirty="0"/>
+          </a:p>
+        </p:txBody>
+      </p:sp>
+      <p:sp>
+        <p:nvSpPr>
+          <p:cNvPr id="21" name="TextBox 20">
+            <a:extLst>
+              <a:ext uri="{FF2B5EF4-FFF2-40B4-BE49-F238E27FC236}">
+                <a16:creationId xmlns:a16="http://schemas.microsoft.com/office/drawing/2014/main" id="{C14C140E-B1CA-4444-8FC7-C764E3D653AF}"/>
+              </a:ext>
+            </a:extLst>
+          </p:cNvPr>
+          <p:cNvSpPr txBox="1"/>
+          <p:nvPr/>
+        </p:nvSpPr>
+        <p:spPr>
+          <a:xfrm>
+            <a:off x="9198451" y="3963760"/>
+            <a:ext cx="1646978" cy="523220"/>
+          </a:xfrm>
+          <a:prstGeom prst="rect">
+            <a:avLst/>
+          </a:prstGeom>
+          <a:noFill/>
+        </p:spPr>
+        <p:txBody>
+          <a:bodyPr wrap="square" rtlCol="0">
+            <a:spAutoFit/>
+          </a:bodyPr>
+          <a:lstStyle/>
+          <a:p>
+            <a:r>
+              <a:rPr lang="en-US" altLang="ko-KR" sz="2800" dirty="0"/>
+              <a:t>func2</a:t>
+            </a:r>
+            <a:endParaRPr lang="ko-KR" altLang="en-US" sz="2800" dirty="0"/>
+          </a:p>
+        </p:txBody>
+      </p:sp>
+      <p:sp>
+        <p:nvSpPr>
+          <p:cNvPr id="22" name="TextBox 21">
+            <a:extLst>
+              <a:ext uri="{FF2B5EF4-FFF2-40B4-BE49-F238E27FC236}">
+                <a16:creationId xmlns:a16="http://schemas.microsoft.com/office/drawing/2014/main" id="{BFBFDC26-BEBF-41EC-90A0-FDFD76B0E75F}"/>
+              </a:ext>
+            </a:extLst>
+          </p:cNvPr>
+          <p:cNvSpPr txBox="1"/>
+          <p:nvPr/>
+        </p:nvSpPr>
+        <p:spPr>
+          <a:xfrm>
+            <a:off x="5364455" y="3963760"/>
+            <a:ext cx="1646978" cy="523220"/>
+          </a:xfrm>
+          <a:prstGeom prst="rect">
+            <a:avLst/>
+          </a:prstGeom>
+          <a:noFill/>
+        </p:spPr>
+        <p:txBody>
+          <a:bodyPr wrap="square" rtlCol="0">
+            <a:spAutoFit/>
+          </a:bodyPr>
+          <a:lstStyle/>
+          <a:p>
+            <a:r>
+              <a:rPr lang="en-US" altLang="ko-KR" sz="2800" dirty="0"/>
+              <a:t>func1</a:t>
+            </a:r>
+            <a:endParaRPr lang="ko-KR" altLang="en-US" sz="2800" dirty="0"/>
+          </a:p>
+        </p:txBody>
+      </p:sp>
+      <p:sp>
+        <p:nvSpPr>
+          <p:cNvPr id="23" name="화살표: 오른쪽 22">
+            <a:extLst>
+              <a:ext uri="{FF2B5EF4-FFF2-40B4-BE49-F238E27FC236}">
+                <a16:creationId xmlns:a16="http://schemas.microsoft.com/office/drawing/2014/main" id="{14895ABB-AD1A-4D06-A266-37DF7B246BBD}"/>
+              </a:ext>
+            </a:extLst>
+          </p:cNvPr>
+          <p:cNvSpPr/>
+          <p:nvPr/>
+        </p:nvSpPr>
+        <p:spPr>
+          <a:xfrm rot="7560875">
+            <a:off x="5918616" y="2862864"/>
+            <a:ext cx="970961" cy="310887"/>
+          </a:xfrm>
+          <a:prstGeom prst="rightArrow">
+            <a:avLst/>
+          </a:prstGeom>
+        </p:spPr>
+        <p:style>
+          <a:lnRef idx="2">
+            <a:schemeClr val="accent1">
+              <a:shade val="50000"/>
+            </a:schemeClr>
+          </a:lnRef>
+          <a:fillRef idx="1">
+            <a:schemeClr val="accent1"/>
+          </a:fillRef>
+          <a:effectRef idx="0">
+            <a:schemeClr val="accent1"/>
+          </a:effectRef>
+          <a:fontRef idx="minor">
+            <a:schemeClr val="lt1"/>
+          </a:fontRef>
+        </p:style>
+        <p:txBody>
+          <a:bodyPr rtlCol="0" anchor="ctr"/>
+          <a:lstStyle/>
+          <a:p>
+            <a:pPr algn="ctr"/>
+            <a:endParaRPr lang="ko-KR" altLang="en-US"/>
+          </a:p>
+        </p:txBody>
+      </p:sp>
+      <p:sp>
+        <p:nvSpPr>
+          <p:cNvPr id="29" name="화살표: 오른쪽 28">
+            <a:extLst>
+              <a:ext uri="{FF2B5EF4-FFF2-40B4-BE49-F238E27FC236}">
+                <a16:creationId xmlns:a16="http://schemas.microsoft.com/office/drawing/2014/main" id="{CA788206-27C7-4976-A90C-6B1EC2879A8C}"/>
+              </a:ext>
+            </a:extLst>
+          </p:cNvPr>
+          <p:cNvSpPr/>
+          <p:nvPr/>
+        </p:nvSpPr>
+        <p:spPr>
+          <a:xfrm>
+            <a:off x="7349441" y="4020553"/>
+            <a:ext cx="970961" cy="310887"/>
+          </a:xfrm>
+          <a:prstGeom prst="rightArrow">
+            <a:avLst/>
+          </a:prstGeom>
+        </p:spPr>
+        <p:style>
+          <a:lnRef idx="2">
+            <a:schemeClr val="accent1">
+              <a:shade val="50000"/>
+            </a:schemeClr>
+          </a:lnRef>
+          <a:fillRef idx="1">
+            <a:schemeClr val="accent1"/>
+          </a:fillRef>
+          <a:effectRef idx="0">
+            <a:schemeClr val="accent1"/>
+          </a:effectRef>
+          <a:fontRef idx="minor">
+            <a:schemeClr val="lt1"/>
+          </a:fontRef>
+        </p:style>
+        <p:txBody>
+          <a:bodyPr rtlCol="0" anchor="ctr"/>
+          <a:lstStyle/>
+          <a:p>
+            <a:pPr algn="ctr"/>
+            <a:endParaRPr lang="ko-KR" altLang="en-US"/>
+          </a:p>
+        </p:txBody>
+      </p:sp>
+    </p:spTree>
+    <p:extLst>
+      <p:ext uri="{BB962C8B-B14F-4D97-AF65-F5344CB8AC3E}">
+        <p14:creationId xmlns:p14="http://schemas.microsoft.com/office/powerpoint/2010/main" val="1730098450"/>
+      </p:ext>
+    </p:extLst>
+  </p:cSld>
+  <p:clrMapOvr>
+    <a:masterClrMapping/>
+  </p:clrMapOvr>
+</p:sld>
+</file>
+
+<file path=ppt/slides/slide18.xml><?xml version="1.0" encoding="utf-8"?>
+<p:sld xmlns:a="http://schemas.openxmlformats.org/drawingml/2006/main" xmlns:r="http://schemas.openxmlformats.org/officeDocument/2006/relationships" xmlns:p="http://schemas.openxmlformats.org/presentationml/2006/main">
+  <p:cSld>
+    <p:spTree>
+      <p:nvGrpSpPr>
+        <p:cNvPr id="1" name=""/>
+        <p:cNvGrpSpPr/>
+        <p:nvPr/>
+      </p:nvGrpSpPr>
+      <p:grpSpPr>
+        <a:xfrm>
+          <a:off x="0" y="0"/>
+          <a:ext cx="0" cy="0"/>
+          <a:chOff x="0" y="0"/>
+          <a:chExt cx="0" cy="0"/>
+        </a:xfrm>
+      </p:grpSpPr>
+      <p:sp>
+        <p:nvSpPr>
+          <p:cNvPr id="20" name="TextBox 19">
+            <a:extLst>
+              <a:ext uri="{FF2B5EF4-FFF2-40B4-BE49-F238E27FC236}">
+                <a16:creationId xmlns:a16="http://schemas.microsoft.com/office/drawing/2014/main" id="{6B26EF30-D0B2-434B-840B-1593A9E7554C}"/>
+              </a:ext>
+            </a:extLst>
+          </p:cNvPr>
+          <p:cNvSpPr txBox="1"/>
+          <p:nvPr/>
+        </p:nvSpPr>
+        <p:spPr>
+          <a:xfrm>
+            <a:off x="567681" y="405798"/>
+            <a:ext cx="9144000" cy="461665"/>
+          </a:xfrm>
+          <a:prstGeom prst="rect">
+            <a:avLst/>
+          </a:prstGeom>
+          <a:noFill/>
+        </p:spPr>
+        <p:txBody>
+          <a:bodyPr wrap="square" rtlCol="0">
+            <a:spAutoFit/>
+          </a:bodyPr>
+          <a:lstStyle/>
+          <a:p>
+            <a:r>
+              <a:rPr lang="ko-KR" altLang="en-US" sz="2400" b="1" dirty="0">
+                <a:ea typeface="서울남산체 EB" panose="02020503020101020101" pitchFamily="18" charset="-127"/>
+              </a:rPr>
+              <a:t>           주의점</a:t>
+            </a:r>
+            <a:endParaRPr lang="ko-KR" altLang="en-US" sz="2400" b="1" dirty="0">
+              <a:latin typeface="배달의민족 도현" panose="020B0600000101010101" pitchFamily="50" charset="-127"/>
+              <a:ea typeface="배달의민족 도현" panose="020B0600000101010101" pitchFamily="50" charset="-127"/>
+            </a:endParaRPr>
+          </a:p>
+        </p:txBody>
+      </p:sp>
+      <p:cxnSp>
+        <p:nvCxnSpPr>
+          <p:cNvPr id="52" name="직선 연결선 51">
+            <a:extLst>
+              <a:ext uri="{FF2B5EF4-FFF2-40B4-BE49-F238E27FC236}">
+                <a16:creationId xmlns:a16="http://schemas.microsoft.com/office/drawing/2014/main" id="{AF6CC2C6-E50F-4D0C-AC05-B7479906E99E}"/>
+              </a:ext>
+            </a:extLst>
+          </p:cNvPr>
+          <p:cNvCxnSpPr>
+            <a:cxnSpLocks/>
+          </p:cNvCxnSpPr>
+          <p:nvPr/>
+        </p:nvCxnSpPr>
+        <p:spPr>
+          <a:xfrm>
+            <a:off x="573741" y="316710"/>
+            <a:ext cx="10838330" cy="0"/>
+          </a:xfrm>
+          <a:prstGeom prst="line">
+            <a:avLst/>
+          </a:prstGeom>
+          <a:ln w="38100">
+            <a:solidFill>
+              <a:schemeClr val="tx1"/>
+            </a:solidFill>
+          </a:ln>
+        </p:spPr>
+        <p:style>
+          <a:lnRef idx="1">
+            <a:schemeClr val="accent1"/>
+          </a:lnRef>
+          <a:fillRef idx="0">
+            <a:schemeClr val="accent1"/>
+          </a:fillRef>
+          <a:effectRef idx="0">
+            <a:schemeClr val="accent1"/>
+          </a:effectRef>
+          <a:fontRef idx="minor">
+            <a:schemeClr val="tx1"/>
+          </a:fontRef>
+        </p:style>
+      </p:cxnSp>
+      <p:cxnSp>
+        <p:nvCxnSpPr>
+          <p:cNvPr id="55" name="직선 연결선 54">
+            <a:extLst>
+              <a:ext uri="{FF2B5EF4-FFF2-40B4-BE49-F238E27FC236}">
+                <a16:creationId xmlns:a16="http://schemas.microsoft.com/office/drawing/2014/main" id="{954F5D12-DE2A-4CB8-929D-28F18BEDDEA1}"/>
+              </a:ext>
+            </a:extLst>
+          </p:cNvPr>
+          <p:cNvCxnSpPr>
+            <a:cxnSpLocks/>
+          </p:cNvCxnSpPr>
+          <p:nvPr/>
+        </p:nvCxnSpPr>
+        <p:spPr>
+          <a:xfrm>
+            <a:off x="573741" y="6342558"/>
+            <a:ext cx="10838330" cy="0"/>
+          </a:xfrm>
+          <a:prstGeom prst="line">
+            <a:avLst/>
+          </a:prstGeom>
+          <a:ln w="38100">
+            <a:solidFill>
+              <a:schemeClr val="tx1"/>
+            </a:solidFill>
+          </a:ln>
+        </p:spPr>
+        <p:style>
+          <a:lnRef idx="1">
+            <a:schemeClr val="accent1"/>
+          </a:lnRef>
+          <a:fillRef idx="0">
+            <a:schemeClr val="accent1"/>
+          </a:fillRef>
+          <a:effectRef idx="0">
+            <a:schemeClr val="accent1"/>
+          </a:effectRef>
+          <a:fontRef idx="minor">
+            <a:schemeClr val="tx1"/>
+          </a:fontRef>
+        </p:style>
+      </p:cxnSp>
+      <p:cxnSp>
+        <p:nvCxnSpPr>
+          <p:cNvPr id="56" name="직선 연결선 55">
+            <a:extLst>
+              <a:ext uri="{FF2B5EF4-FFF2-40B4-BE49-F238E27FC236}">
+                <a16:creationId xmlns:a16="http://schemas.microsoft.com/office/drawing/2014/main" id="{3ADDCBE0-2DA0-457F-A7D8-6E15238EFA30}"/>
+              </a:ext>
+            </a:extLst>
+          </p:cNvPr>
+          <p:cNvCxnSpPr>
+            <a:cxnSpLocks/>
+          </p:cNvCxnSpPr>
+          <p:nvPr/>
+        </p:nvCxnSpPr>
+        <p:spPr>
+          <a:xfrm>
+            <a:off x="653954" y="867463"/>
+            <a:ext cx="3470919" cy="0"/>
+          </a:xfrm>
+          <a:prstGeom prst="line">
+            <a:avLst/>
+          </a:prstGeom>
+          <a:ln w="38100">
+            <a:solidFill>
+              <a:schemeClr val="tx1"/>
+            </a:solidFill>
+          </a:ln>
+        </p:spPr>
+        <p:style>
+          <a:lnRef idx="1">
+            <a:schemeClr val="accent1"/>
+          </a:lnRef>
+          <a:fillRef idx="0">
+            <a:schemeClr val="accent1"/>
+          </a:fillRef>
+          <a:effectRef idx="0">
+            <a:schemeClr val="accent1"/>
+          </a:effectRef>
+          <a:fontRef idx="minor">
+            <a:schemeClr val="tx1"/>
+          </a:fontRef>
+        </p:style>
+      </p:cxnSp>
+      <p:sp>
+        <p:nvSpPr>
+          <p:cNvPr id="2" name="슬라이드 번호 개체 틀 1">
+            <a:extLst>
+              <a:ext uri="{FF2B5EF4-FFF2-40B4-BE49-F238E27FC236}">
+                <a16:creationId xmlns:a16="http://schemas.microsoft.com/office/drawing/2014/main" id="{B8D4FF36-835C-424D-85E2-B264FEC55BAE}"/>
+              </a:ext>
+            </a:extLst>
+          </p:cNvPr>
+          <p:cNvSpPr>
+            <a:spLocks noGrp="1"/>
+          </p:cNvSpPr>
+          <p:nvPr>
+            <p:ph type="sldNum" sz="quarter" idx="12"/>
+          </p:nvPr>
+        </p:nvSpPr>
+        <p:spPr/>
+        <p:txBody>
+          <a:bodyPr/>
+          <a:lstStyle/>
+          <a:p>
+            <a:fld id="{6E1F7D06-D076-4FB0-8653-AC845A4D867B}" type="slidenum">
+              <a:rPr lang="ko-KR" altLang="en-US" smtClean="0"/>
+              <a:t>18</a:t>
+            </a:fld>
+            <a:endParaRPr lang="ko-KR" altLang="en-US"/>
+          </a:p>
+        </p:txBody>
+      </p:sp>
+      <p:sp>
+        <p:nvSpPr>
+          <p:cNvPr id="14" name="TextBox 13">
+            <a:extLst>
+              <a:ext uri="{FF2B5EF4-FFF2-40B4-BE49-F238E27FC236}">
+                <a16:creationId xmlns:a16="http://schemas.microsoft.com/office/drawing/2014/main" id="{A555AA9D-E01F-4F67-A37B-52C6A6E72FC3}"/>
+              </a:ext>
+            </a:extLst>
+          </p:cNvPr>
+          <p:cNvSpPr txBox="1"/>
+          <p:nvPr/>
+        </p:nvSpPr>
+        <p:spPr>
+          <a:xfrm>
+            <a:off x="653954" y="1096162"/>
+            <a:ext cx="4832446" cy="892552"/>
+          </a:xfrm>
+          <a:prstGeom prst="rect">
+            <a:avLst/>
+          </a:prstGeom>
+          <a:noFill/>
+        </p:spPr>
+        <p:txBody>
+          <a:bodyPr wrap="square" rtlCol="0">
+            <a:spAutoFit/>
+          </a:bodyPr>
+          <a:lstStyle/>
+          <a:p>
+            <a:pPr marL="285750" indent="-285750">
+              <a:buFont typeface="Wingdings" panose="05000000000000000000" pitchFamily="2" charset="2"/>
+              <a:buChar char="§"/>
+            </a:pPr>
+            <a:r>
+              <a:rPr lang="ko-KR" altLang="en-US" sz="2400" dirty="0">
+                <a:latin typeface="배달의민족 도현" panose="020B0600000101010101" pitchFamily="50" charset="-127"/>
+                <a:ea typeface="배달의민족 도현" panose="020B0600000101010101" pitchFamily="50" charset="-127"/>
+              </a:rPr>
+              <a:t>정상적인 프로그램</a:t>
+            </a:r>
+            <a:endParaRPr lang="en-US" altLang="ko-KR" sz="2400" dirty="0">
+              <a:latin typeface="배달의민족 도현" panose="020B0600000101010101" pitchFamily="50" charset="-127"/>
+              <a:ea typeface="배달의민족 도현" panose="020B0600000101010101" pitchFamily="50" charset="-127"/>
+            </a:endParaRPr>
+          </a:p>
+          <a:p>
+            <a:endParaRPr lang="en-US" altLang="ko-KR" sz="1400" b="1" dirty="0">
+              <a:latin typeface="+mn-ea"/>
+            </a:endParaRPr>
+          </a:p>
+          <a:p>
+            <a:r>
+              <a:rPr lang="en-US" altLang="ko-KR" sz="1400" b="1" dirty="0">
+                <a:latin typeface="+mn-ea"/>
+              </a:rPr>
+              <a:t>     </a:t>
+            </a:r>
+            <a:r>
+              <a:rPr lang="en-US" altLang="ko-KR" sz="1400" dirty="0">
+                <a:latin typeface="+mn-ea"/>
+              </a:rPr>
+              <a:t>     </a:t>
+            </a:r>
+          </a:p>
+        </p:txBody>
+      </p:sp>
+      <p:pic>
+        <p:nvPicPr>
+          <p:cNvPr id="2050" name="Picture 2">
+            <a:extLst>
+              <a:ext uri="{FF2B5EF4-FFF2-40B4-BE49-F238E27FC236}">
+                <a16:creationId xmlns:a16="http://schemas.microsoft.com/office/drawing/2014/main" id="{C05A8838-0A06-4463-96BF-C6610A8327C1}"/>
+              </a:ext>
+            </a:extLst>
+          </p:cNvPr>
+          <p:cNvPicPr>
+            <a:picLocks noChangeAspect="1" noChangeArrowheads="1"/>
+          </p:cNvPicPr>
+          <p:nvPr/>
+        </p:nvPicPr>
+        <p:blipFill>
+          <a:blip r:embed="rId2">
+            <a:extLst>
+              <a:ext uri="{28A0092B-C50C-407E-A947-70E740481C1C}">
+                <a14:useLocalDpi xmlns:a14="http://schemas.microsoft.com/office/drawing/2010/main" val="0"/>
+              </a:ext>
+            </a:extLst>
+          </a:blip>
+          <a:srcRect/>
+          <a:stretch>
+            <a:fillRect/>
+          </a:stretch>
+        </p:blipFill>
+        <p:spPr bwMode="auto">
+          <a:xfrm>
+            <a:off x="5139681" y="2038206"/>
+            <a:ext cx="5885518" cy="3646462"/>
+          </a:xfrm>
+          <a:prstGeom prst="rect">
+            <a:avLst/>
+          </a:prstGeom>
+          <a:noFill/>
+          <a:extLst>
+            <a:ext uri="{909E8E84-426E-40DD-AFC4-6F175D3DCCD1}">
+              <a14:hiddenFill xmlns:a14="http://schemas.microsoft.com/office/drawing/2010/main">
+                <a:solidFill>
+                  <a:srgbClr val="FFFFFF"/>
+                </a:solidFill>
+              </a14:hiddenFill>
+            </a:ext>
+          </a:extLst>
+        </p:spPr>
+      </p:pic>
+      <p:pic>
+        <p:nvPicPr>
+          <p:cNvPr id="10" name="Picture 2">
+            <a:extLst>
+              <a:ext uri="{FF2B5EF4-FFF2-40B4-BE49-F238E27FC236}">
+                <a16:creationId xmlns:a16="http://schemas.microsoft.com/office/drawing/2014/main" id="{9FA3491F-7422-43F2-8244-9503E04BB38D}"/>
+              </a:ext>
+            </a:extLst>
+          </p:cNvPr>
+          <p:cNvPicPr>
+            <a:picLocks noChangeAspect="1" noChangeArrowheads="1"/>
+          </p:cNvPicPr>
+          <p:nvPr/>
+        </p:nvPicPr>
+        <p:blipFill>
+          <a:blip r:embed="rId3">
+            <a:extLst>
+              <a:ext uri="{28A0092B-C50C-407E-A947-70E740481C1C}">
+                <a14:useLocalDpi xmlns:a14="http://schemas.microsoft.com/office/drawing/2010/main" val="0"/>
+              </a:ext>
+            </a:extLst>
+          </a:blip>
+          <a:srcRect/>
+          <a:stretch>
+            <a:fillRect/>
+          </a:stretch>
+        </p:blipFill>
+        <p:spPr bwMode="auto">
+          <a:xfrm>
+            <a:off x="2099399" y="2002505"/>
+            <a:ext cx="4606203" cy="3717864"/>
+          </a:xfrm>
+          <a:prstGeom prst="rect">
+            <a:avLst/>
+          </a:prstGeom>
+          <a:noFill/>
+          <a:extLst>
+            <a:ext uri="{909E8E84-426E-40DD-AFC4-6F175D3DCCD1}">
+              <a14:hiddenFill xmlns:a14="http://schemas.microsoft.com/office/drawing/2010/main">
+                <a:solidFill>
+                  <a:srgbClr val="FFFFFF"/>
+                </a:solidFill>
+              </a14:hiddenFill>
+            </a:ext>
+          </a:extLst>
         </p:spPr>
       </p:pic>
     </p:spTree>
     <p:extLst>
       <p:ext uri="{BB962C8B-B14F-4D97-AF65-F5344CB8AC3E}">
-        <p14:creationId xmlns:p14="http://schemas.microsoft.com/office/powerpoint/2010/main" val="1524448294"/>
+        <p14:creationId xmlns:p14="http://schemas.microsoft.com/office/powerpoint/2010/main" val="499572551"/>
+      </p:ext>
+    </p:extLst>
+  </p:cSld>
+  <p:clrMapOvr>
+    <a:masterClrMapping/>
+  </p:clrMapOvr>
+</p:sld>
+</file>
+
+<file path=ppt/slides/slide19.xml><?xml version="1.0" encoding="utf-8"?>
+<p:sld xmlns:a="http://schemas.openxmlformats.org/drawingml/2006/main" xmlns:r="http://schemas.openxmlformats.org/officeDocument/2006/relationships" xmlns:p="http://schemas.openxmlformats.org/presentationml/2006/main">
+  <p:cSld>
+    <p:spTree>
+      <p:nvGrpSpPr>
+        <p:cNvPr id="1" name=""/>
+        <p:cNvGrpSpPr/>
+        <p:nvPr/>
+      </p:nvGrpSpPr>
+      <p:grpSpPr>
+        <a:xfrm>
+          <a:off x="0" y="0"/>
+          <a:ext cx="0" cy="0"/>
+          <a:chOff x="0" y="0"/>
+          <a:chExt cx="0" cy="0"/>
+        </a:xfrm>
+      </p:grpSpPr>
+      <p:sp>
+        <p:nvSpPr>
+          <p:cNvPr id="20" name="TextBox 19">
+            <a:extLst>
+              <a:ext uri="{FF2B5EF4-FFF2-40B4-BE49-F238E27FC236}">
+                <a16:creationId xmlns:a16="http://schemas.microsoft.com/office/drawing/2014/main" id="{6B26EF30-D0B2-434B-840B-1593A9E7554C}"/>
+              </a:ext>
+            </a:extLst>
+          </p:cNvPr>
+          <p:cNvSpPr txBox="1"/>
+          <p:nvPr/>
+        </p:nvSpPr>
+        <p:spPr>
+          <a:xfrm>
+            <a:off x="567681" y="405798"/>
+            <a:ext cx="9144000" cy="461665"/>
+          </a:xfrm>
+          <a:prstGeom prst="rect">
+            <a:avLst/>
+          </a:prstGeom>
+          <a:noFill/>
+        </p:spPr>
+        <p:txBody>
+          <a:bodyPr wrap="square" rtlCol="0">
+            <a:spAutoFit/>
+          </a:bodyPr>
+          <a:lstStyle/>
+          <a:p>
+            <a:r>
+              <a:rPr lang="ko-KR" altLang="en-US" sz="2400" b="1" dirty="0">
+                <a:ea typeface="서울남산체 EB" panose="02020503020101020101" pitchFamily="18" charset="-127"/>
+              </a:rPr>
+              <a:t>           주의점</a:t>
+            </a:r>
+            <a:endParaRPr lang="ko-KR" altLang="en-US" sz="2400" b="1" dirty="0">
+              <a:latin typeface="배달의민족 도현" panose="020B0600000101010101" pitchFamily="50" charset="-127"/>
+              <a:ea typeface="배달의민족 도현" panose="020B0600000101010101" pitchFamily="50" charset="-127"/>
+            </a:endParaRPr>
+          </a:p>
+        </p:txBody>
+      </p:sp>
+      <p:cxnSp>
+        <p:nvCxnSpPr>
+          <p:cNvPr id="52" name="직선 연결선 51">
+            <a:extLst>
+              <a:ext uri="{FF2B5EF4-FFF2-40B4-BE49-F238E27FC236}">
+                <a16:creationId xmlns:a16="http://schemas.microsoft.com/office/drawing/2014/main" id="{AF6CC2C6-E50F-4D0C-AC05-B7479906E99E}"/>
+              </a:ext>
+            </a:extLst>
+          </p:cNvPr>
+          <p:cNvCxnSpPr>
+            <a:cxnSpLocks/>
+          </p:cNvCxnSpPr>
+          <p:nvPr/>
+        </p:nvCxnSpPr>
+        <p:spPr>
+          <a:xfrm>
+            <a:off x="573741" y="316710"/>
+            <a:ext cx="10838330" cy="0"/>
+          </a:xfrm>
+          <a:prstGeom prst="line">
+            <a:avLst/>
+          </a:prstGeom>
+          <a:ln w="38100">
+            <a:solidFill>
+              <a:schemeClr val="tx1"/>
+            </a:solidFill>
+          </a:ln>
+        </p:spPr>
+        <p:style>
+          <a:lnRef idx="1">
+            <a:schemeClr val="accent1"/>
+          </a:lnRef>
+          <a:fillRef idx="0">
+            <a:schemeClr val="accent1"/>
+          </a:fillRef>
+          <a:effectRef idx="0">
+            <a:schemeClr val="accent1"/>
+          </a:effectRef>
+          <a:fontRef idx="minor">
+            <a:schemeClr val="tx1"/>
+          </a:fontRef>
+        </p:style>
+      </p:cxnSp>
+      <p:cxnSp>
+        <p:nvCxnSpPr>
+          <p:cNvPr id="55" name="직선 연결선 54">
+            <a:extLst>
+              <a:ext uri="{FF2B5EF4-FFF2-40B4-BE49-F238E27FC236}">
+                <a16:creationId xmlns:a16="http://schemas.microsoft.com/office/drawing/2014/main" id="{954F5D12-DE2A-4CB8-929D-28F18BEDDEA1}"/>
+              </a:ext>
+            </a:extLst>
+          </p:cNvPr>
+          <p:cNvCxnSpPr>
+            <a:cxnSpLocks/>
+          </p:cNvCxnSpPr>
+          <p:nvPr/>
+        </p:nvCxnSpPr>
+        <p:spPr>
+          <a:xfrm>
+            <a:off x="573741" y="6342558"/>
+            <a:ext cx="10838330" cy="0"/>
+          </a:xfrm>
+          <a:prstGeom prst="line">
+            <a:avLst/>
+          </a:prstGeom>
+          <a:ln w="38100">
+            <a:solidFill>
+              <a:schemeClr val="tx1"/>
+            </a:solidFill>
+          </a:ln>
+        </p:spPr>
+        <p:style>
+          <a:lnRef idx="1">
+            <a:schemeClr val="accent1"/>
+          </a:lnRef>
+          <a:fillRef idx="0">
+            <a:schemeClr val="accent1"/>
+          </a:fillRef>
+          <a:effectRef idx="0">
+            <a:schemeClr val="accent1"/>
+          </a:effectRef>
+          <a:fontRef idx="minor">
+            <a:schemeClr val="tx1"/>
+          </a:fontRef>
+        </p:style>
+      </p:cxnSp>
+      <p:cxnSp>
+        <p:nvCxnSpPr>
+          <p:cNvPr id="56" name="직선 연결선 55">
+            <a:extLst>
+              <a:ext uri="{FF2B5EF4-FFF2-40B4-BE49-F238E27FC236}">
+                <a16:creationId xmlns:a16="http://schemas.microsoft.com/office/drawing/2014/main" id="{3ADDCBE0-2DA0-457F-A7D8-6E15238EFA30}"/>
+              </a:ext>
+            </a:extLst>
+          </p:cNvPr>
+          <p:cNvCxnSpPr>
+            <a:cxnSpLocks/>
+          </p:cNvCxnSpPr>
+          <p:nvPr/>
+        </p:nvCxnSpPr>
+        <p:spPr>
+          <a:xfrm>
+            <a:off x="653954" y="867463"/>
+            <a:ext cx="3470919" cy="0"/>
+          </a:xfrm>
+          <a:prstGeom prst="line">
+            <a:avLst/>
+          </a:prstGeom>
+          <a:ln w="38100">
+            <a:solidFill>
+              <a:schemeClr val="tx1"/>
+            </a:solidFill>
+          </a:ln>
+        </p:spPr>
+        <p:style>
+          <a:lnRef idx="1">
+            <a:schemeClr val="accent1"/>
+          </a:lnRef>
+          <a:fillRef idx="0">
+            <a:schemeClr val="accent1"/>
+          </a:fillRef>
+          <a:effectRef idx="0">
+            <a:schemeClr val="accent1"/>
+          </a:effectRef>
+          <a:fontRef idx="minor">
+            <a:schemeClr val="tx1"/>
+          </a:fontRef>
+        </p:style>
+      </p:cxnSp>
+      <p:sp>
+        <p:nvSpPr>
+          <p:cNvPr id="2" name="슬라이드 번호 개체 틀 1">
+            <a:extLst>
+              <a:ext uri="{FF2B5EF4-FFF2-40B4-BE49-F238E27FC236}">
+                <a16:creationId xmlns:a16="http://schemas.microsoft.com/office/drawing/2014/main" id="{B8D4FF36-835C-424D-85E2-B264FEC55BAE}"/>
+              </a:ext>
+            </a:extLst>
+          </p:cNvPr>
+          <p:cNvSpPr>
+            <a:spLocks noGrp="1"/>
+          </p:cNvSpPr>
+          <p:nvPr>
+            <p:ph type="sldNum" sz="quarter" idx="12"/>
+          </p:nvPr>
+        </p:nvSpPr>
+        <p:spPr/>
+        <p:txBody>
+          <a:bodyPr/>
+          <a:lstStyle/>
+          <a:p>
+            <a:fld id="{6E1F7D06-D076-4FB0-8653-AC845A4D867B}" type="slidenum">
+              <a:rPr lang="ko-KR" altLang="en-US" smtClean="0"/>
+              <a:t>19</a:t>
+            </a:fld>
+            <a:endParaRPr lang="ko-KR" altLang="en-US"/>
+          </a:p>
+        </p:txBody>
+      </p:sp>
+      <p:sp>
+        <p:nvSpPr>
+          <p:cNvPr id="14" name="TextBox 13">
+            <a:extLst>
+              <a:ext uri="{FF2B5EF4-FFF2-40B4-BE49-F238E27FC236}">
+                <a16:creationId xmlns:a16="http://schemas.microsoft.com/office/drawing/2014/main" id="{A555AA9D-E01F-4F67-A37B-52C6A6E72FC3}"/>
+              </a:ext>
+            </a:extLst>
+          </p:cNvPr>
+          <p:cNvSpPr txBox="1"/>
+          <p:nvPr/>
+        </p:nvSpPr>
+        <p:spPr>
+          <a:xfrm>
+            <a:off x="653954" y="1096162"/>
+            <a:ext cx="4832446" cy="892552"/>
+          </a:xfrm>
+          <a:prstGeom prst="rect">
+            <a:avLst/>
+          </a:prstGeom>
+          <a:noFill/>
+        </p:spPr>
+        <p:txBody>
+          <a:bodyPr wrap="square" rtlCol="0">
+            <a:spAutoFit/>
+          </a:bodyPr>
+          <a:lstStyle/>
+          <a:p>
+            <a:pPr marL="285750" indent="-285750">
+              <a:buFont typeface="Wingdings" panose="05000000000000000000" pitchFamily="2" charset="2"/>
+              <a:buChar char="§"/>
+            </a:pPr>
+            <a:r>
+              <a:rPr lang="ko-KR" altLang="en-US" sz="2400" dirty="0">
+                <a:latin typeface="배달의민족 도현" panose="020B0600000101010101" pitchFamily="50" charset="-127"/>
+                <a:ea typeface="배달의민족 도현" panose="020B0600000101010101" pitchFamily="50" charset="-127"/>
+              </a:rPr>
+              <a:t>반환점이 없는 재귀</a:t>
+            </a:r>
+            <a:endParaRPr lang="en-US" altLang="ko-KR" sz="2400" dirty="0">
+              <a:latin typeface="배달의민족 도현" panose="020B0600000101010101" pitchFamily="50" charset="-127"/>
+              <a:ea typeface="배달의민족 도현" panose="020B0600000101010101" pitchFamily="50" charset="-127"/>
+            </a:endParaRPr>
+          </a:p>
+          <a:p>
+            <a:endParaRPr lang="en-US" altLang="ko-KR" sz="1400" b="1" dirty="0">
+              <a:latin typeface="+mn-ea"/>
+            </a:endParaRPr>
+          </a:p>
+          <a:p>
+            <a:r>
+              <a:rPr lang="en-US" altLang="ko-KR" sz="1400" b="1" dirty="0">
+                <a:latin typeface="+mn-ea"/>
+              </a:rPr>
+              <a:t>     </a:t>
+            </a:r>
+            <a:r>
+              <a:rPr lang="en-US" altLang="ko-KR" sz="1400" dirty="0">
+                <a:latin typeface="+mn-ea"/>
+              </a:rPr>
+              <a:t>     </a:t>
+            </a:r>
+          </a:p>
+        </p:txBody>
+      </p:sp>
+      <p:pic>
+        <p:nvPicPr>
+          <p:cNvPr id="3074" name="Picture 2">
+            <a:extLst>
+              <a:ext uri="{FF2B5EF4-FFF2-40B4-BE49-F238E27FC236}">
+                <a16:creationId xmlns:a16="http://schemas.microsoft.com/office/drawing/2014/main" id="{BCA763A6-5812-420B-9E27-A807E04EA8A9}"/>
+              </a:ext>
+            </a:extLst>
+          </p:cNvPr>
+          <p:cNvPicPr>
+            <a:picLocks noChangeAspect="1" noChangeArrowheads="1"/>
+          </p:cNvPicPr>
+          <p:nvPr/>
+        </p:nvPicPr>
+        <p:blipFill>
+          <a:blip r:embed="rId2">
+            <a:extLst>
+              <a:ext uri="{28A0092B-C50C-407E-A947-70E740481C1C}">
+                <a14:useLocalDpi xmlns:a14="http://schemas.microsoft.com/office/drawing/2010/main" val="0"/>
+              </a:ext>
+            </a:extLst>
+          </a:blip>
+          <a:srcRect/>
+          <a:stretch>
+            <a:fillRect/>
+          </a:stretch>
+        </p:blipFill>
+        <p:spPr bwMode="auto">
+          <a:xfrm>
+            <a:off x="2428875" y="1470580"/>
+            <a:ext cx="6635595" cy="4377769"/>
+          </a:xfrm>
+          <a:prstGeom prst="rect">
+            <a:avLst/>
+          </a:prstGeom>
+          <a:noFill/>
+          <a:extLst>
+            <a:ext uri="{909E8E84-426E-40DD-AFC4-6F175D3DCCD1}">
+              <a14:hiddenFill xmlns:a14="http://schemas.microsoft.com/office/drawing/2010/main">
+                <a:solidFill>
+                  <a:srgbClr val="FFFFFF"/>
+                </a:solidFill>
+              </a14:hiddenFill>
+            </a:ext>
+          </a:extLst>
+        </p:spPr>
+      </p:pic>
+    </p:spTree>
+    <p:extLst>
+      <p:ext uri="{BB962C8B-B14F-4D97-AF65-F5344CB8AC3E}">
+        <p14:creationId xmlns:p14="http://schemas.microsoft.com/office/powerpoint/2010/main" val="1946798638"/>
       </p:ext>
     </p:extLst>
   </p:cSld>
@@ -8840,6 +10411,330 @@
     <p:extLst>
       <p:ext uri="{BB962C8B-B14F-4D97-AF65-F5344CB8AC3E}">
         <p14:creationId xmlns:p14="http://schemas.microsoft.com/office/powerpoint/2010/main" val="122494861"/>
+      </p:ext>
+    </p:extLst>
+  </p:cSld>
+  <p:clrMapOvr>
+    <a:masterClrMapping/>
+  </p:clrMapOvr>
+</p:sld>
+</file>
+
+<file path=ppt/slides/slide20.xml><?xml version="1.0" encoding="utf-8"?>
+<p:sld xmlns:a="http://schemas.openxmlformats.org/drawingml/2006/main" xmlns:r="http://schemas.openxmlformats.org/officeDocument/2006/relationships" xmlns:p="http://schemas.openxmlformats.org/presentationml/2006/main">
+  <p:cSld>
+    <p:spTree>
+      <p:nvGrpSpPr>
+        <p:cNvPr id="1" name=""/>
+        <p:cNvGrpSpPr/>
+        <p:nvPr/>
+      </p:nvGrpSpPr>
+      <p:grpSpPr>
+        <a:xfrm>
+          <a:off x="0" y="0"/>
+          <a:ext cx="0" cy="0"/>
+          <a:chOff x="0" y="0"/>
+          <a:chExt cx="0" cy="0"/>
+        </a:xfrm>
+      </p:grpSpPr>
+      <p:sp>
+        <p:nvSpPr>
+          <p:cNvPr id="20" name="TextBox 19">
+            <a:extLst>
+              <a:ext uri="{FF2B5EF4-FFF2-40B4-BE49-F238E27FC236}">
+                <a16:creationId xmlns:a16="http://schemas.microsoft.com/office/drawing/2014/main" id="{6B26EF30-D0B2-434B-840B-1593A9E7554C}"/>
+              </a:ext>
+            </a:extLst>
+          </p:cNvPr>
+          <p:cNvSpPr txBox="1"/>
+          <p:nvPr/>
+        </p:nvSpPr>
+        <p:spPr>
+          <a:xfrm>
+            <a:off x="567681" y="405798"/>
+            <a:ext cx="9144000" cy="461665"/>
+          </a:xfrm>
+          <a:prstGeom prst="rect">
+            <a:avLst/>
+          </a:prstGeom>
+          <a:noFill/>
+        </p:spPr>
+        <p:txBody>
+          <a:bodyPr wrap="square" rtlCol="0">
+            <a:spAutoFit/>
+          </a:bodyPr>
+          <a:lstStyle/>
+          <a:p>
+            <a:r>
+              <a:rPr lang="ko-KR" altLang="en-US" sz="2400" b="1" dirty="0">
+                <a:ea typeface="서울남산체 EB" panose="02020503020101020101" pitchFamily="18" charset="-127"/>
+              </a:rPr>
+              <a:t>           주의점</a:t>
+            </a:r>
+            <a:endParaRPr lang="ko-KR" altLang="en-US" sz="2400" b="1" dirty="0">
+              <a:latin typeface="배달의민족 도현" panose="020B0600000101010101" pitchFamily="50" charset="-127"/>
+              <a:ea typeface="배달의민족 도현" panose="020B0600000101010101" pitchFamily="50" charset="-127"/>
+            </a:endParaRPr>
+          </a:p>
+        </p:txBody>
+      </p:sp>
+      <p:cxnSp>
+        <p:nvCxnSpPr>
+          <p:cNvPr id="52" name="직선 연결선 51">
+            <a:extLst>
+              <a:ext uri="{FF2B5EF4-FFF2-40B4-BE49-F238E27FC236}">
+                <a16:creationId xmlns:a16="http://schemas.microsoft.com/office/drawing/2014/main" id="{AF6CC2C6-E50F-4D0C-AC05-B7479906E99E}"/>
+              </a:ext>
+            </a:extLst>
+          </p:cNvPr>
+          <p:cNvCxnSpPr>
+            <a:cxnSpLocks/>
+          </p:cNvCxnSpPr>
+          <p:nvPr/>
+        </p:nvCxnSpPr>
+        <p:spPr>
+          <a:xfrm>
+            <a:off x="573741" y="316710"/>
+            <a:ext cx="10838330" cy="0"/>
+          </a:xfrm>
+          <a:prstGeom prst="line">
+            <a:avLst/>
+          </a:prstGeom>
+          <a:ln w="38100">
+            <a:solidFill>
+              <a:schemeClr val="tx1"/>
+            </a:solidFill>
+          </a:ln>
+        </p:spPr>
+        <p:style>
+          <a:lnRef idx="1">
+            <a:schemeClr val="accent1"/>
+          </a:lnRef>
+          <a:fillRef idx="0">
+            <a:schemeClr val="accent1"/>
+          </a:fillRef>
+          <a:effectRef idx="0">
+            <a:schemeClr val="accent1"/>
+          </a:effectRef>
+          <a:fontRef idx="minor">
+            <a:schemeClr val="tx1"/>
+          </a:fontRef>
+        </p:style>
+      </p:cxnSp>
+      <p:cxnSp>
+        <p:nvCxnSpPr>
+          <p:cNvPr id="55" name="직선 연결선 54">
+            <a:extLst>
+              <a:ext uri="{FF2B5EF4-FFF2-40B4-BE49-F238E27FC236}">
+                <a16:creationId xmlns:a16="http://schemas.microsoft.com/office/drawing/2014/main" id="{954F5D12-DE2A-4CB8-929D-28F18BEDDEA1}"/>
+              </a:ext>
+            </a:extLst>
+          </p:cNvPr>
+          <p:cNvCxnSpPr>
+            <a:cxnSpLocks/>
+          </p:cNvCxnSpPr>
+          <p:nvPr/>
+        </p:nvCxnSpPr>
+        <p:spPr>
+          <a:xfrm>
+            <a:off x="573741" y="6342558"/>
+            <a:ext cx="10838330" cy="0"/>
+          </a:xfrm>
+          <a:prstGeom prst="line">
+            <a:avLst/>
+          </a:prstGeom>
+          <a:ln w="38100">
+            <a:solidFill>
+              <a:schemeClr val="tx1"/>
+            </a:solidFill>
+          </a:ln>
+        </p:spPr>
+        <p:style>
+          <a:lnRef idx="1">
+            <a:schemeClr val="accent1"/>
+          </a:lnRef>
+          <a:fillRef idx="0">
+            <a:schemeClr val="accent1"/>
+          </a:fillRef>
+          <a:effectRef idx="0">
+            <a:schemeClr val="accent1"/>
+          </a:effectRef>
+          <a:fontRef idx="minor">
+            <a:schemeClr val="tx1"/>
+          </a:fontRef>
+        </p:style>
+      </p:cxnSp>
+      <p:cxnSp>
+        <p:nvCxnSpPr>
+          <p:cNvPr id="56" name="직선 연결선 55">
+            <a:extLst>
+              <a:ext uri="{FF2B5EF4-FFF2-40B4-BE49-F238E27FC236}">
+                <a16:creationId xmlns:a16="http://schemas.microsoft.com/office/drawing/2014/main" id="{3ADDCBE0-2DA0-457F-A7D8-6E15238EFA30}"/>
+              </a:ext>
+            </a:extLst>
+          </p:cNvPr>
+          <p:cNvCxnSpPr>
+            <a:cxnSpLocks/>
+          </p:cNvCxnSpPr>
+          <p:nvPr/>
+        </p:nvCxnSpPr>
+        <p:spPr>
+          <a:xfrm>
+            <a:off x="653954" y="867463"/>
+            <a:ext cx="3470919" cy="0"/>
+          </a:xfrm>
+          <a:prstGeom prst="line">
+            <a:avLst/>
+          </a:prstGeom>
+          <a:ln w="38100">
+            <a:solidFill>
+              <a:schemeClr val="tx1"/>
+            </a:solidFill>
+          </a:ln>
+        </p:spPr>
+        <p:style>
+          <a:lnRef idx="1">
+            <a:schemeClr val="accent1"/>
+          </a:lnRef>
+          <a:fillRef idx="0">
+            <a:schemeClr val="accent1"/>
+          </a:fillRef>
+          <a:effectRef idx="0">
+            <a:schemeClr val="accent1"/>
+          </a:effectRef>
+          <a:fontRef idx="minor">
+            <a:schemeClr val="tx1"/>
+          </a:fontRef>
+        </p:style>
+      </p:cxnSp>
+      <p:sp>
+        <p:nvSpPr>
+          <p:cNvPr id="2" name="슬라이드 번호 개체 틀 1">
+            <a:extLst>
+              <a:ext uri="{FF2B5EF4-FFF2-40B4-BE49-F238E27FC236}">
+                <a16:creationId xmlns:a16="http://schemas.microsoft.com/office/drawing/2014/main" id="{B8D4FF36-835C-424D-85E2-B264FEC55BAE}"/>
+              </a:ext>
+            </a:extLst>
+          </p:cNvPr>
+          <p:cNvSpPr>
+            <a:spLocks noGrp="1"/>
+          </p:cNvSpPr>
+          <p:nvPr>
+            <p:ph type="sldNum" sz="quarter" idx="12"/>
+          </p:nvPr>
+        </p:nvSpPr>
+        <p:spPr/>
+        <p:txBody>
+          <a:bodyPr/>
+          <a:lstStyle/>
+          <a:p>
+            <a:fld id="{6E1F7D06-D076-4FB0-8653-AC845A4D867B}" type="slidenum">
+              <a:rPr lang="ko-KR" altLang="en-US" smtClean="0"/>
+              <a:t>20</a:t>
+            </a:fld>
+            <a:endParaRPr lang="ko-KR" altLang="en-US"/>
+          </a:p>
+        </p:txBody>
+      </p:sp>
+      <p:sp>
+        <p:nvSpPr>
+          <p:cNvPr id="14" name="TextBox 13">
+            <a:extLst>
+              <a:ext uri="{FF2B5EF4-FFF2-40B4-BE49-F238E27FC236}">
+                <a16:creationId xmlns:a16="http://schemas.microsoft.com/office/drawing/2014/main" id="{A555AA9D-E01F-4F67-A37B-52C6A6E72FC3}"/>
+              </a:ext>
+            </a:extLst>
+          </p:cNvPr>
+          <p:cNvSpPr txBox="1"/>
+          <p:nvPr/>
+        </p:nvSpPr>
+        <p:spPr>
+          <a:xfrm>
+            <a:off x="653954" y="1096162"/>
+            <a:ext cx="4832446" cy="892552"/>
+          </a:xfrm>
+          <a:prstGeom prst="rect">
+            <a:avLst/>
+          </a:prstGeom>
+          <a:noFill/>
+        </p:spPr>
+        <p:txBody>
+          <a:bodyPr wrap="square" rtlCol="0">
+            <a:spAutoFit/>
+          </a:bodyPr>
+          <a:lstStyle/>
+          <a:p>
+            <a:pPr marL="285750" indent="-285750">
+              <a:buFont typeface="Wingdings" panose="05000000000000000000" pitchFamily="2" charset="2"/>
+              <a:buChar char="§"/>
+            </a:pPr>
+            <a:r>
+              <a:rPr lang="ko-KR" altLang="en-US" sz="2400" dirty="0">
+                <a:latin typeface="배달의민족 도현" panose="020B0600000101010101" pitchFamily="50" charset="-127"/>
+                <a:ea typeface="배달의민족 도현" panose="020B0600000101010101" pitchFamily="50" charset="-127"/>
+              </a:rPr>
+              <a:t>스택 오버 플로우</a:t>
+            </a:r>
+            <a:endParaRPr lang="en-US" altLang="ko-KR" sz="2400" dirty="0">
+              <a:latin typeface="배달의민족 도현" panose="020B0600000101010101" pitchFamily="50" charset="-127"/>
+              <a:ea typeface="배달의민족 도현" panose="020B0600000101010101" pitchFamily="50" charset="-127"/>
+            </a:endParaRPr>
+          </a:p>
+          <a:p>
+            <a:endParaRPr lang="en-US" altLang="ko-KR" sz="1400" b="1" dirty="0">
+              <a:latin typeface="+mn-ea"/>
+            </a:endParaRPr>
+          </a:p>
+          <a:p>
+            <a:r>
+              <a:rPr lang="en-US" altLang="ko-KR" sz="1400" b="1" dirty="0">
+                <a:latin typeface="+mn-ea"/>
+              </a:rPr>
+              <a:t>     </a:t>
+            </a:r>
+            <a:r>
+              <a:rPr lang="en-US" altLang="ko-KR" sz="1400" dirty="0">
+                <a:latin typeface="+mn-ea"/>
+              </a:rPr>
+              <a:t>     </a:t>
+            </a:r>
+          </a:p>
+        </p:txBody>
+      </p:sp>
+      <p:pic>
+        <p:nvPicPr>
+          <p:cNvPr id="3" name="그림 2">
+            <a:extLst>
+              <a:ext uri="{FF2B5EF4-FFF2-40B4-BE49-F238E27FC236}">
+                <a16:creationId xmlns:a16="http://schemas.microsoft.com/office/drawing/2014/main" id="{62226D2A-48D3-45A3-81D8-11DB613E63FF}"/>
+              </a:ext>
+            </a:extLst>
+          </p:cNvPr>
+          <p:cNvPicPr>
+            <a:picLocks noChangeAspect="1"/>
+          </p:cNvPicPr>
+          <p:nvPr/>
+        </p:nvPicPr>
+        <p:blipFill>
+          <a:blip r:embed="rId2"/>
+          <a:stretch>
+            <a:fillRect/>
+          </a:stretch>
+        </p:blipFill>
+        <p:spPr>
+          <a:xfrm>
+            <a:off x="1474747" y="1656677"/>
+            <a:ext cx="7802817" cy="4333860"/>
+          </a:xfrm>
+          <a:prstGeom prst="rect">
+            <a:avLst/>
+          </a:prstGeom>
+        </p:spPr>
+      </p:pic>
+    </p:spTree>
+    <p:extLst>
+      <p:ext uri="{BB962C8B-B14F-4D97-AF65-F5344CB8AC3E}">
+        <p14:creationId xmlns:p14="http://schemas.microsoft.com/office/powerpoint/2010/main" val="1524448294"/>
       </p:ext>
     </p:extLst>
   </p:cSld>
